--- a/doc/PPT/软件工程项目介绍PPT_2.0.pptx
+++ b/doc/PPT/软件工程项目介绍PPT_2.0.pptx
@@ -1142,7 +1142,7 @@
           <a:p>
             <a:fld id="{CE07FAAA-C22F-4670-A5A1-FE163BFFB041}" type="datetimeFigureOut">
               <a:rPr lang="zh-CN" altLang="en-US" smtClean="0"/>
-              <a:t>2023/10/22</a:t>
+              <a:t>2023/10/24</a:t>
             </a:fld>
             <a:endParaRPr lang="zh-CN" altLang="en-US"/>
           </a:p>
@@ -1340,7 +1340,7 @@
           <a:p>
             <a:fld id="{CE07FAAA-C22F-4670-A5A1-FE163BFFB041}" type="datetimeFigureOut">
               <a:rPr lang="zh-CN" altLang="en-US" smtClean="0"/>
-              <a:t>2023/10/22</a:t>
+              <a:t>2023/10/24</a:t>
             </a:fld>
             <a:endParaRPr lang="zh-CN" altLang="en-US"/>
           </a:p>
@@ -1548,7 +1548,7 @@
           <a:p>
             <a:fld id="{CE07FAAA-C22F-4670-A5A1-FE163BFFB041}" type="datetimeFigureOut">
               <a:rPr lang="zh-CN" altLang="en-US" smtClean="0"/>
-              <a:t>2023/10/22</a:t>
+              <a:t>2023/10/24</a:t>
             </a:fld>
             <a:endParaRPr lang="zh-CN" altLang="en-US"/>
           </a:p>
@@ -1746,7 +1746,7 @@
           <a:p>
             <a:fld id="{CE07FAAA-C22F-4670-A5A1-FE163BFFB041}" type="datetimeFigureOut">
               <a:rPr lang="zh-CN" altLang="en-US" smtClean="0"/>
-              <a:t>2023/10/22</a:t>
+              <a:t>2023/10/24</a:t>
             </a:fld>
             <a:endParaRPr lang="zh-CN" altLang="en-US"/>
           </a:p>
@@ -2021,7 +2021,7 @@
           <a:p>
             <a:fld id="{CE07FAAA-C22F-4670-A5A1-FE163BFFB041}" type="datetimeFigureOut">
               <a:rPr lang="zh-CN" altLang="en-US" smtClean="0"/>
-              <a:t>2023/10/22</a:t>
+              <a:t>2023/10/24</a:t>
             </a:fld>
             <a:endParaRPr lang="zh-CN" altLang="en-US"/>
           </a:p>
@@ -2286,7 +2286,7 @@
           <a:p>
             <a:fld id="{CE07FAAA-C22F-4670-A5A1-FE163BFFB041}" type="datetimeFigureOut">
               <a:rPr lang="zh-CN" altLang="en-US" smtClean="0"/>
-              <a:t>2023/10/22</a:t>
+              <a:t>2023/10/24</a:t>
             </a:fld>
             <a:endParaRPr lang="zh-CN" altLang="en-US"/>
           </a:p>
@@ -2698,7 +2698,7 @@
           <a:p>
             <a:fld id="{CE07FAAA-C22F-4670-A5A1-FE163BFFB041}" type="datetimeFigureOut">
               <a:rPr lang="zh-CN" altLang="en-US" smtClean="0"/>
-              <a:t>2023/10/22</a:t>
+              <a:t>2023/10/24</a:t>
             </a:fld>
             <a:endParaRPr lang="zh-CN" altLang="en-US"/>
           </a:p>
@@ -2839,7 +2839,7 @@
           <a:p>
             <a:fld id="{CE07FAAA-C22F-4670-A5A1-FE163BFFB041}" type="datetimeFigureOut">
               <a:rPr lang="zh-CN" altLang="en-US" smtClean="0"/>
-              <a:t>2023/10/22</a:t>
+              <a:t>2023/10/24</a:t>
             </a:fld>
             <a:endParaRPr lang="zh-CN" altLang="en-US"/>
           </a:p>
@@ -2952,7 +2952,7 @@
           <a:p>
             <a:fld id="{CE07FAAA-C22F-4670-A5A1-FE163BFFB041}" type="datetimeFigureOut">
               <a:rPr lang="zh-CN" altLang="en-US" smtClean="0"/>
-              <a:t>2023/10/22</a:t>
+              <a:t>2023/10/24</a:t>
             </a:fld>
             <a:endParaRPr lang="zh-CN" altLang="en-US"/>
           </a:p>
@@ -3263,7 +3263,7 @@
           <a:p>
             <a:fld id="{CE07FAAA-C22F-4670-A5A1-FE163BFFB041}" type="datetimeFigureOut">
               <a:rPr lang="zh-CN" altLang="en-US" smtClean="0"/>
-              <a:t>2023/10/22</a:t>
+              <a:t>2023/10/24</a:t>
             </a:fld>
             <a:endParaRPr lang="zh-CN" altLang="en-US"/>
           </a:p>
@@ -3551,7 +3551,7 @@
           <a:p>
             <a:fld id="{CE07FAAA-C22F-4670-A5A1-FE163BFFB041}" type="datetimeFigureOut">
               <a:rPr lang="zh-CN" altLang="en-US" smtClean="0"/>
-              <a:t>2023/10/22</a:t>
+              <a:t>2023/10/24</a:t>
             </a:fld>
             <a:endParaRPr lang="zh-CN" altLang="en-US"/>
           </a:p>
@@ -3792,7 +3792,7 @@
           <a:p>
             <a:fld id="{CE07FAAA-C22F-4670-A5A1-FE163BFFB041}" type="datetimeFigureOut">
               <a:rPr lang="zh-CN" altLang="en-US" smtClean="0"/>
-              <a:t>2023/10/22</a:t>
+              <a:t>2023/10/24</a:t>
             </a:fld>
             <a:endParaRPr lang="zh-CN" altLang="en-US"/>
           </a:p>
@@ -4526,8 +4526,8 @@
         </p:nvSpPr>
         <p:spPr>
           <a:xfrm>
-            <a:off x="3461417" y="3818149"/>
-            <a:ext cx="5262816" cy="338526"/>
+            <a:off x="2639108" y="3814545"/>
+            <a:ext cx="7007800" cy="338526"/>
           </a:xfrm>
           <a:prstGeom prst="rect">
             <a:avLst/>
@@ -4544,6 +4544,36 @@
           <a:lstStyle/>
           <a:p>
             <a:pPr algn="ctr"/>
+            <a:r>
+              <a:rPr lang="zh-CN" altLang="en-US" sz="1600" dirty="0">
+                <a:solidFill>
+                  <a:schemeClr val="tx1">
+                    <a:lumMod val="75000"/>
+                    <a:lumOff val="25000"/>
+                  </a:schemeClr>
+                </a:solidFill>
+                <a:latin typeface="Microsoft YaHei" panose="020B0503020204020204" pitchFamily="34" charset="-122"/>
+                <a:ea typeface="Microsoft YaHei" panose="020B0503020204020204" pitchFamily="34" charset="-122"/>
+                <a:cs typeface="阿里巴巴普惠体 R" panose="00020600040101010101" pitchFamily="18" charset="-122"/>
+                <a:sym typeface="汉仪金陵刻经-阿里智能版" panose="00020600040101010101" pitchFamily="18" charset="-122"/>
+              </a:rPr>
+              <a:t>汇报小组：</a:t>
+            </a:r>
+            <a:r>
+              <a:rPr lang="en-US" altLang="zh-CN" sz="1600" dirty="0">
+                <a:solidFill>
+                  <a:schemeClr val="tx1">
+                    <a:lumMod val="75000"/>
+                    <a:lumOff val="25000"/>
+                  </a:schemeClr>
+                </a:solidFill>
+                <a:latin typeface="Microsoft YaHei" panose="020B0503020204020204" pitchFamily="34" charset="-122"/>
+                <a:ea typeface="Microsoft YaHei" panose="020B0503020204020204" pitchFamily="34" charset="-122"/>
+                <a:cs typeface="阿里巴巴普惠体 R" panose="00020600040101010101" pitchFamily="18" charset="-122"/>
+                <a:sym typeface="汉仪金陵刻经-阿里智能版" panose="00020600040101010101" pitchFamily="18" charset="-122"/>
+              </a:rPr>
+              <a:t>G04	</a:t>
+            </a:r>
             <a:r>
               <a:rPr lang="zh-CN" altLang="zh-CN" sz="1600" dirty="0">
                 <a:solidFill>
@@ -25182,203 +25212,6 @@
       </p:grpSp>
       <p:sp>
         <p:nvSpPr>
-          <p:cNvPr id="6" name="Text box0">
-            <a:extLst>
-              <a:ext uri="{FF2B5EF4-FFF2-40B4-BE49-F238E27FC236}">
-                <a16:creationId xmlns:a16="http://schemas.microsoft.com/office/drawing/2014/main" id="{3C2E4AE5-916B-6148-A4D6-D2870D8A2480}"/>
-              </a:ext>
-            </a:extLst>
-          </p:cNvPr>
-          <p:cNvSpPr txBox="1"/>
-          <p:nvPr/>
-        </p:nvSpPr>
-        <p:spPr>
-          <a:xfrm>
-            <a:off x="3461417" y="3818149"/>
-            <a:ext cx="5262816" cy="338526"/>
-          </a:xfrm>
-          <a:prstGeom prst="rect">
-            <a:avLst/>
-          </a:prstGeom>
-          <a:noFill/>
-          <a:ln>
-            <a:noFill/>
-          </a:ln>
-        </p:spPr>
-        <p:txBody>
-          <a:bodyPr wrap="square" lIns="91412" tIns="45706" rIns="91412" bIns="45706" rtlCol="0">
-            <a:spAutoFit/>
-          </a:bodyPr>
-          <a:lstStyle/>
-          <a:p>
-            <a:pPr algn="ctr"/>
-            <a:r>
-              <a:rPr lang="zh-CN" altLang="zh-CN" sz="1600" dirty="0">
-                <a:solidFill>
-                  <a:schemeClr val="tx1">
-                    <a:lumMod val="75000"/>
-                    <a:lumOff val="25000"/>
-                  </a:schemeClr>
-                </a:solidFill>
-                <a:latin typeface="Microsoft YaHei" panose="020B0503020204020204" pitchFamily="34" charset="-122"/>
-                <a:ea typeface="Microsoft YaHei" panose="020B0503020204020204" pitchFamily="34" charset="-122"/>
-                <a:cs typeface="阿里巴巴普惠体 R" panose="00020600040101010101" pitchFamily="18" charset="-122"/>
-                <a:sym typeface="汉仪金陵刻经-阿里智能版" panose="00020600040101010101" pitchFamily="18" charset="-122"/>
-              </a:rPr>
-              <a:t>汇报人：</a:t>
-            </a:r>
-            <a:r>
-              <a:rPr lang="zh-CN" altLang="en-US" sz="1600" dirty="0">
-                <a:solidFill>
-                  <a:schemeClr val="tx1">
-                    <a:lumMod val="75000"/>
-                    <a:lumOff val="25000"/>
-                  </a:schemeClr>
-                </a:solidFill>
-                <a:latin typeface="Microsoft YaHei" panose="020B0503020204020204" pitchFamily="34" charset="-122"/>
-                <a:ea typeface="Microsoft YaHei" panose="020B0503020204020204" pitchFamily="34" charset="-122"/>
-                <a:cs typeface="阿里巴巴普惠体 R" panose="00020600040101010101" pitchFamily="18" charset="-122"/>
-                <a:sym typeface="汉仪金陵刻经-阿里智能版" panose="00020600040101010101" pitchFamily="18" charset="-122"/>
-              </a:rPr>
-              <a:t>侯兢喆</a:t>
-            </a:r>
-            <a:r>
-              <a:rPr lang="en-US" altLang="zh-CN" sz="1600" dirty="0">
-                <a:solidFill>
-                  <a:schemeClr val="tx1">
-                    <a:lumMod val="75000"/>
-                    <a:lumOff val="25000"/>
-                  </a:schemeClr>
-                </a:solidFill>
-                <a:latin typeface="Microsoft YaHei" panose="020B0503020204020204" pitchFamily="34" charset="-122"/>
-                <a:ea typeface="Microsoft YaHei" panose="020B0503020204020204" pitchFamily="34" charset="-122"/>
-                <a:cs typeface="阿里巴巴普惠体 R" panose="00020600040101010101" pitchFamily="18" charset="-122"/>
-                <a:sym typeface="汉仪金陵刻经-阿里智能版" panose="00020600040101010101" pitchFamily="18" charset="-122"/>
-              </a:rPr>
-              <a:t>        </a:t>
-            </a:r>
-            <a:r>
-              <a:rPr lang="zh-CN" altLang="en-US" sz="1600" dirty="0">
-                <a:solidFill>
-                  <a:schemeClr val="tx1">
-                    <a:lumMod val="75000"/>
-                    <a:lumOff val="25000"/>
-                  </a:schemeClr>
-                </a:solidFill>
-                <a:latin typeface="Microsoft YaHei" panose="020B0503020204020204" pitchFamily="34" charset="-122"/>
-                <a:ea typeface="Microsoft YaHei" panose="020B0503020204020204" pitchFamily="34" charset="-122"/>
-                <a:cs typeface="阿里巴巴普惠体 R" panose="00020600040101010101" pitchFamily="18" charset="-122"/>
-                <a:sym typeface="汉仪金陵刻经-阿里智能版" panose="00020600040101010101" pitchFamily="18" charset="-122"/>
-              </a:rPr>
-              <a:t>汇报时间：</a:t>
-            </a:r>
-            <a:r>
-              <a:rPr lang="en-US" altLang="zh-CN" sz="1600" dirty="0">
-                <a:solidFill>
-                  <a:schemeClr val="tx1">
-                    <a:lumMod val="75000"/>
-                    <a:lumOff val="25000"/>
-                  </a:schemeClr>
-                </a:solidFill>
-                <a:latin typeface="Microsoft YaHei" panose="020B0503020204020204" pitchFamily="34" charset="-122"/>
-                <a:ea typeface="Microsoft YaHei" panose="020B0503020204020204" pitchFamily="34" charset="-122"/>
-                <a:cs typeface="阿里巴巴普惠体 R" panose="00020600040101010101" pitchFamily="18" charset="-122"/>
-                <a:sym typeface="汉仪金陵刻经-阿里智能版" panose="00020600040101010101" pitchFamily="18" charset="-122"/>
-              </a:rPr>
-              <a:t>2023</a:t>
-            </a:r>
-            <a:r>
-              <a:rPr lang="zh-CN" altLang="en-US" sz="1600" dirty="0">
-                <a:solidFill>
-                  <a:schemeClr val="tx1">
-                    <a:lumMod val="75000"/>
-                    <a:lumOff val="25000"/>
-                  </a:schemeClr>
-                </a:solidFill>
-                <a:latin typeface="Microsoft YaHei" panose="020B0503020204020204" pitchFamily="34" charset="-122"/>
-                <a:ea typeface="Microsoft YaHei" panose="020B0503020204020204" pitchFamily="34" charset="-122"/>
-                <a:cs typeface="阿里巴巴普惠体 R" panose="00020600040101010101" pitchFamily="18" charset="-122"/>
-                <a:sym typeface="汉仪金陵刻经-阿里智能版" panose="00020600040101010101" pitchFamily="18" charset="-122"/>
-              </a:rPr>
-              <a:t>年</a:t>
-            </a:r>
-            <a:r>
-              <a:rPr lang="en-US" altLang="zh-CN" sz="1600" dirty="0">
-                <a:solidFill>
-                  <a:schemeClr val="tx1">
-                    <a:lumMod val="75000"/>
-                    <a:lumOff val="25000"/>
-                  </a:schemeClr>
-                </a:solidFill>
-                <a:latin typeface="Microsoft YaHei" panose="020B0503020204020204" pitchFamily="34" charset="-122"/>
-                <a:ea typeface="Microsoft YaHei" panose="020B0503020204020204" pitchFamily="34" charset="-122"/>
-                <a:cs typeface="阿里巴巴普惠体 R" panose="00020600040101010101" pitchFamily="18" charset="-122"/>
-                <a:sym typeface="汉仪金陵刻经-阿里智能版" panose="00020600040101010101" pitchFamily="18" charset="-122"/>
-              </a:rPr>
-              <a:t>10</a:t>
-            </a:r>
-            <a:r>
-              <a:rPr lang="zh-CN" altLang="en-US" sz="1600" dirty="0">
-                <a:solidFill>
-                  <a:schemeClr val="tx1">
-                    <a:lumMod val="75000"/>
-                    <a:lumOff val="25000"/>
-                  </a:schemeClr>
-                </a:solidFill>
-                <a:latin typeface="Microsoft YaHei" panose="020B0503020204020204" pitchFamily="34" charset="-122"/>
-                <a:ea typeface="Microsoft YaHei" panose="020B0503020204020204" pitchFamily="34" charset="-122"/>
-                <a:cs typeface="阿里巴巴普惠体 R" panose="00020600040101010101" pitchFamily="18" charset="-122"/>
-                <a:sym typeface="汉仪金陵刻经-阿里智能版" panose="00020600040101010101" pitchFamily="18" charset="-122"/>
-              </a:rPr>
-              <a:t>月</a:t>
-            </a:r>
-            <a:r>
-              <a:rPr lang="en-US" altLang="zh-CN" sz="1600" dirty="0">
-                <a:solidFill>
-                  <a:schemeClr val="tx1">
-                    <a:lumMod val="75000"/>
-                    <a:lumOff val="25000"/>
-                  </a:schemeClr>
-                </a:solidFill>
-                <a:latin typeface="Microsoft YaHei" panose="020B0503020204020204" pitchFamily="34" charset="-122"/>
-                <a:ea typeface="Microsoft YaHei" panose="020B0503020204020204" pitchFamily="34" charset="-122"/>
-                <a:cs typeface="阿里巴巴普惠体 R" panose="00020600040101010101" pitchFamily="18" charset="-122"/>
-                <a:sym typeface="汉仪金陵刻经-阿里智能版" panose="00020600040101010101" pitchFamily="18" charset="-122"/>
-              </a:rPr>
-              <a:t>10</a:t>
-            </a:r>
-            <a:r>
-              <a:rPr lang="zh-CN" altLang="en-US" sz="1600" dirty="0">
-                <a:solidFill>
-                  <a:schemeClr val="tx1">
-                    <a:lumMod val="75000"/>
-                    <a:lumOff val="25000"/>
-                  </a:schemeClr>
-                </a:solidFill>
-                <a:latin typeface="Microsoft YaHei" panose="020B0503020204020204" pitchFamily="34" charset="-122"/>
-                <a:ea typeface="Microsoft YaHei" panose="020B0503020204020204" pitchFamily="34" charset="-122"/>
-                <a:cs typeface="阿里巴巴普惠体 R" panose="00020600040101010101" pitchFamily="18" charset="-122"/>
-                <a:sym typeface="汉仪金陵刻经-阿里智能版" panose="00020600040101010101" pitchFamily="18" charset="-122"/>
-              </a:rPr>
-              <a:t>日</a:t>
-            </a:r>
-            <a:endParaRPr lang="zh-CN" altLang="zh-CN" sz="1600" dirty="0">
-              <a:solidFill>
-                <a:schemeClr val="tx1">
-                  <a:lumMod val="75000"/>
-                  <a:lumOff val="25000"/>
-                </a:schemeClr>
-              </a:solidFill>
-              <a:latin typeface="Microsoft YaHei" panose="020B0503020204020204" pitchFamily="34" charset="-122"/>
-              <a:ea typeface="Microsoft YaHei" panose="020B0503020204020204" pitchFamily="34" charset="-122"/>
-              <a:cs typeface="阿里巴巴普惠体 R" panose="00020600040101010101" pitchFamily="18" charset="-122"/>
-              <a:sym typeface="汉仪金陵刻经-阿里智能版" panose="00020600040101010101" pitchFamily="18" charset="-122"/>
-            </a:endParaRPr>
-          </a:p>
-        </p:txBody>
-      </p:sp>
-      <p:sp>
-        <p:nvSpPr>
           <p:cNvPr id="7" name="AutoShape6">
             <a:extLst>
               <a:ext uri="{FF2B5EF4-FFF2-40B4-BE49-F238E27FC236}">
@@ -25828,6 +25661,233 @@
               </a:rPr>
               <a:t>朱化宇</a:t>
             </a:r>
+          </a:p>
+        </p:txBody>
+      </p:sp>
+      <p:sp>
+        <p:nvSpPr>
+          <p:cNvPr id="9" name="Text box0">
+            <a:extLst>
+              <a:ext uri="{FF2B5EF4-FFF2-40B4-BE49-F238E27FC236}">
+                <a16:creationId xmlns:a16="http://schemas.microsoft.com/office/drawing/2014/main" id="{9696CD7F-5335-D2AC-99D1-8D47B0CC5C82}"/>
+              </a:ext>
+            </a:extLst>
+          </p:cNvPr>
+          <p:cNvSpPr txBox="1"/>
+          <p:nvPr/>
+        </p:nvSpPr>
+        <p:spPr>
+          <a:xfrm>
+            <a:off x="2639108" y="3814545"/>
+            <a:ext cx="7007800" cy="338526"/>
+          </a:xfrm>
+          <a:prstGeom prst="rect">
+            <a:avLst/>
+          </a:prstGeom>
+          <a:noFill/>
+          <a:ln>
+            <a:noFill/>
+          </a:ln>
+        </p:spPr>
+        <p:txBody>
+          <a:bodyPr wrap="square" lIns="91412" tIns="45706" rIns="91412" bIns="45706" rtlCol="0">
+            <a:spAutoFit/>
+          </a:bodyPr>
+          <a:lstStyle/>
+          <a:p>
+            <a:pPr algn="ctr"/>
+            <a:r>
+              <a:rPr lang="zh-CN" altLang="en-US" sz="1600" dirty="0">
+                <a:solidFill>
+                  <a:schemeClr val="tx1">
+                    <a:lumMod val="75000"/>
+                    <a:lumOff val="25000"/>
+                  </a:schemeClr>
+                </a:solidFill>
+                <a:latin typeface="Microsoft YaHei" panose="020B0503020204020204" pitchFamily="34" charset="-122"/>
+                <a:ea typeface="Microsoft YaHei" panose="020B0503020204020204" pitchFamily="34" charset="-122"/>
+                <a:cs typeface="阿里巴巴普惠体 R" panose="00020600040101010101" pitchFamily="18" charset="-122"/>
+                <a:sym typeface="汉仪金陵刻经-阿里智能版" panose="00020600040101010101" pitchFamily="18" charset="-122"/>
+              </a:rPr>
+              <a:t>汇报小组：</a:t>
+            </a:r>
+            <a:r>
+              <a:rPr lang="en-US" altLang="zh-CN" sz="1600" dirty="0">
+                <a:solidFill>
+                  <a:schemeClr val="tx1">
+                    <a:lumMod val="75000"/>
+                    <a:lumOff val="25000"/>
+                  </a:schemeClr>
+                </a:solidFill>
+                <a:latin typeface="Microsoft YaHei" panose="020B0503020204020204" pitchFamily="34" charset="-122"/>
+                <a:ea typeface="Microsoft YaHei" panose="020B0503020204020204" pitchFamily="34" charset="-122"/>
+                <a:cs typeface="阿里巴巴普惠体 R" panose="00020600040101010101" pitchFamily="18" charset="-122"/>
+                <a:sym typeface="汉仪金陵刻经-阿里智能版" panose="00020600040101010101" pitchFamily="18" charset="-122"/>
+              </a:rPr>
+              <a:t>G04	</a:t>
+            </a:r>
+            <a:r>
+              <a:rPr lang="zh-CN" altLang="zh-CN" sz="1600" dirty="0">
+                <a:solidFill>
+                  <a:schemeClr val="tx1">
+                    <a:lumMod val="75000"/>
+                    <a:lumOff val="25000"/>
+                  </a:schemeClr>
+                </a:solidFill>
+                <a:latin typeface="Microsoft YaHei" panose="020B0503020204020204" pitchFamily="34" charset="-122"/>
+                <a:ea typeface="Microsoft YaHei" panose="020B0503020204020204" pitchFamily="34" charset="-122"/>
+                <a:cs typeface="阿里巴巴普惠体 R" panose="00020600040101010101" pitchFamily="18" charset="-122"/>
+                <a:sym typeface="汉仪金陵刻经-阿里智能版" panose="00020600040101010101" pitchFamily="18" charset="-122"/>
+              </a:rPr>
+              <a:t>汇报人：</a:t>
+            </a:r>
+            <a:r>
+              <a:rPr lang="zh-CN" altLang="en-US" sz="1600" dirty="0">
+                <a:solidFill>
+                  <a:schemeClr val="tx1">
+                    <a:lumMod val="75000"/>
+                    <a:lumOff val="25000"/>
+                  </a:schemeClr>
+                </a:solidFill>
+                <a:latin typeface="Microsoft YaHei" panose="020B0503020204020204" pitchFamily="34" charset="-122"/>
+                <a:ea typeface="Microsoft YaHei" panose="020B0503020204020204" pitchFamily="34" charset="-122"/>
+                <a:cs typeface="阿里巴巴普惠体 R" panose="00020600040101010101" pitchFamily="18" charset="-122"/>
+                <a:sym typeface="汉仪金陵刻经-阿里智能版" panose="00020600040101010101" pitchFamily="18" charset="-122"/>
+              </a:rPr>
+              <a:t>侯兢喆</a:t>
+            </a:r>
+            <a:r>
+              <a:rPr lang="en-US" altLang="zh-CN" sz="1600" dirty="0">
+                <a:solidFill>
+                  <a:schemeClr val="tx1">
+                    <a:lumMod val="75000"/>
+                    <a:lumOff val="25000"/>
+                  </a:schemeClr>
+                </a:solidFill>
+                <a:latin typeface="Microsoft YaHei" panose="020B0503020204020204" pitchFamily="34" charset="-122"/>
+                <a:ea typeface="Microsoft YaHei" panose="020B0503020204020204" pitchFamily="34" charset="-122"/>
+                <a:cs typeface="阿里巴巴普惠体 R" panose="00020600040101010101" pitchFamily="18" charset="-122"/>
+                <a:sym typeface="汉仪金陵刻经-阿里智能版" panose="00020600040101010101" pitchFamily="18" charset="-122"/>
+              </a:rPr>
+              <a:t>        </a:t>
+            </a:r>
+            <a:r>
+              <a:rPr lang="zh-CN" altLang="en-US" sz="1600" dirty="0">
+                <a:solidFill>
+                  <a:schemeClr val="tx1">
+                    <a:lumMod val="75000"/>
+                    <a:lumOff val="25000"/>
+                  </a:schemeClr>
+                </a:solidFill>
+                <a:latin typeface="Microsoft YaHei" panose="020B0503020204020204" pitchFamily="34" charset="-122"/>
+                <a:ea typeface="Microsoft YaHei" panose="020B0503020204020204" pitchFamily="34" charset="-122"/>
+                <a:cs typeface="阿里巴巴普惠体 R" panose="00020600040101010101" pitchFamily="18" charset="-122"/>
+                <a:sym typeface="汉仪金陵刻经-阿里智能版" panose="00020600040101010101" pitchFamily="18" charset="-122"/>
+              </a:rPr>
+              <a:t>汇报时间：</a:t>
+            </a:r>
+            <a:r>
+              <a:rPr lang="en-US" altLang="zh-CN" sz="1600" dirty="0">
+                <a:solidFill>
+                  <a:schemeClr val="tx1">
+                    <a:lumMod val="75000"/>
+                    <a:lumOff val="25000"/>
+                  </a:schemeClr>
+                </a:solidFill>
+                <a:latin typeface="Microsoft YaHei" panose="020B0503020204020204" pitchFamily="34" charset="-122"/>
+                <a:ea typeface="Microsoft YaHei" panose="020B0503020204020204" pitchFamily="34" charset="-122"/>
+                <a:cs typeface="阿里巴巴普惠体 R" panose="00020600040101010101" pitchFamily="18" charset="-122"/>
+                <a:sym typeface="汉仪金陵刻经-阿里智能版" panose="00020600040101010101" pitchFamily="18" charset="-122"/>
+              </a:rPr>
+              <a:t>2023</a:t>
+            </a:r>
+            <a:r>
+              <a:rPr lang="zh-CN" altLang="en-US" sz="1600" dirty="0">
+                <a:solidFill>
+                  <a:schemeClr val="tx1">
+                    <a:lumMod val="75000"/>
+                    <a:lumOff val="25000"/>
+                  </a:schemeClr>
+                </a:solidFill>
+                <a:latin typeface="Microsoft YaHei" panose="020B0503020204020204" pitchFamily="34" charset="-122"/>
+                <a:ea typeface="Microsoft YaHei" panose="020B0503020204020204" pitchFamily="34" charset="-122"/>
+                <a:cs typeface="阿里巴巴普惠体 R" panose="00020600040101010101" pitchFamily="18" charset="-122"/>
+                <a:sym typeface="汉仪金陵刻经-阿里智能版" panose="00020600040101010101" pitchFamily="18" charset="-122"/>
+              </a:rPr>
+              <a:t>年</a:t>
+            </a:r>
+            <a:r>
+              <a:rPr lang="en-US" altLang="zh-CN" sz="1600" dirty="0">
+                <a:solidFill>
+                  <a:schemeClr val="tx1">
+                    <a:lumMod val="75000"/>
+                    <a:lumOff val="25000"/>
+                  </a:schemeClr>
+                </a:solidFill>
+                <a:latin typeface="Microsoft YaHei" panose="020B0503020204020204" pitchFamily="34" charset="-122"/>
+                <a:ea typeface="Microsoft YaHei" panose="020B0503020204020204" pitchFamily="34" charset="-122"/>
+                <a:cs typeface="阿里巴巴普惠体 R" panose="00020600040101010101" pitchFamily="18" charset="-122"/>
+                <a:sym typeface="汉仪金陵刻经-阿里智能版" panose="00020600040101010101" pitchFamily="18" charset="-122"/>
+              </a:rPr>
+              <a:t>10</a:t>
+            </a:r>
+            <a:r>
+              <a:rPr lang="zh-CN" altLang="en-US" sz="1600" dirty="0">
+                <a:solidFill>
+                  <a:schemeClr val="tx1">
+                    <a:lumMod val="75000"/>
+                    <a:lumOff val="25000"/>
+                  </a:schemeClr>
+                </a:solidFill>
+                <a:latin typeface="Microsoft YaHei" panose="020B0503020204020204" pitchFamily="34" charset="-122"/>
+                <a:ea typeface="Microsoft YaHei" panose="020B0503020204020204" pitchFamily="34" charset="-122"/>
+                <a:cs typeface="阿里巴巴普惠体 R" panose="00020600040101010101" pitchFamily="18" charset="-122"/>
+                <a:sym typeface="汉仪金陵刻经-阿里智能版" panose="00020600040101010101" pitchFamily="18" charset="-122"/>
+              </a:rPr>
+              <a:t>月</a:t>
+            </a:r>
+            <a:r>
+              <a:rPr lang="en-US" altLang="zh-CN" sz="1600" dirty="0">
+                <a:solidFill>
+                  <a:schemeClr val="tx1">
+                    <a:lumMod val="75000"/>
+                    <a:lumOff val="25000"/>
+                  </a:schemeClr>
+                </a:solidFill>
+                <a:latin typeface="Microsoft YaHei" panose="020B0503020204020204" pitchFamily="34" charset="-122"/>
+                <a:ea typeface="Microsoft YaHei" panose="020B0503020204020204" pitchFamily="34" charset="-122"/>
+                <a:cs typeface="阿里巴巴普惠体 R" panose="00020600040101010101" pitchFamily="18" charset="-122"/>
+                <a:sym typeface="汉仪金陵刻经-阿里智能版" panose="00020600040101010101" pitchFamily="18" charset="-122"/>
+              </a:rPr>
+              <a:t>10</a:t>
+            </a:r>
+            <a:r>
+              <a:rPr lang="zh-CN" altLang="en-US" sz="1600" dirty="0">
+                <a:solidFill>
+                  <a:schemeClr val="tx1">
+                    <a:lumMod val="75000"/>
+                    <a:lumOff val="25000"/>
+                  </a:schemeClr>
+                </a:solidFill>
+                <a:latin typeface="Microsoft YaHei" panose="020B0503020204020204" pitchFamily="34" charset="-122"/>
+                <a:ea typeface="Microsoft YaHei" panose="020B0503020204020204" pitchFamily="34" charset="-122"/>
+                <a:cs typeface="阿里巴巴普惠体 R" panose="00020600040101010101" pitchFamily="18" charset="-122"/>
+                <a:sym typeface="汉仪金陵刻经-阿里智能版" panose="00020600040101010101" pitchFamily="18" charset="-122"/>
+              </a:rPr>
+              <a:t>日</a:t>
+            </a:r>
+            <a:endParaRPr lang="zh-CN" altLang="zh-CN" sz="1600" dirty="0">
+              <a:solidFill>
+                <a:schemeClr val="tx1">
+                  <a:lumMod val="75000"/>
+                  <a:lumOff val="25000"/>
+                </a:schemeClr>
+              </a:solidFill>
+              <a:latin typeface="Microsoft YaHei" panose="020B0503020204020204" pitchFamily="34" charset="-122"/>
+              <a:ea typeface="Microsoft YaHei" panose="020B0503020204020204" pitchFamily="34" charset="-122"/>
+              <a:cs typeface="阿里巴巴普惠体 R" panose="00020600040101010101" pitchFamily="18" charset="-122"/>
+              <a:sym typeface="汉仪金陵刻经-阿里智能版" panose="00020600040101010101" pitchFamily="18" charset="-122"/>
+            </a:endParaRPr>
           </a:p>
         </p:txBody>
       </p:sp>
